--- a/umoxe_rad_driven_diff/pics.pptx
+++ b/umoxe_rad_driven_diff/pics.pptx
@@ -6,18 +6,7 @@
   </p:sldMasterIdLst>
   <p:sldIdLst>
     <p:sldId id="256" r:id="rId2"/>
-    <p:sldId id="261" r:id="rId3"/>
-    <p:sldId id="257" r:id="rId4"/>
-    <p:sldId id="258" r:id="rId5"/>
-    <p:sldId id="259" r:id="rId6"/>
-    <p:sldId id="260" r:id="rId7"/>
-    <p:sldId id="262" r:id="rId8"/>
-    <p:sldId id="263" r:id="rId9"/>
-    <p:sldId id="264" r:id="rId10"/>
-    <p:sldId id="265" r:id="rId11"/>
-    <p:sldId id="266" r:id="rId12"/>
-    <p:sldId id="268" r:id="rId13"/>
-    <p:sldId id="267" r:id="rId14"/>
+    <p:sldId id="257" r:id="rId3"/>
   </p:sldIdLst>
   <p:sldSz cx="12192000" cy="6858000"/>
   <p:notesSz cx="6858000" cy="9144000"/>
@@ -271,7 +260,7 @@
           <a:p>
             <a:fld id="{24929D6D-F7E9-BA43-B28D-B1C0CE4BAC6D}" type="datetimeFigureOut">
               <a:rPr lang="en-US" smtClean="0"/>
-              <a:t>7/25/19</a:t>
+              <a:t>1/9/20</a:t>
             </a:fld>
             <a:endParaRPr lang="en-US"/>
           </a:p>
@@ -469,7 +458,7 @@
           <a:p>
             <a:fld id="{24929D6D-F7E9-BA43-B28D-B1C0CE4BAC6D}" type="datetimeFigureOut">
               <a:rPr lang="en-US" smtClean="0"/>
-              <a:t>7/25/19</a:t>
+              <a:t>1/9/20</a:t>
             </a:fld>
             <a:endParaRPr lang="en-US"/>
           </a:p>
@@ -677,7 +666,7 @@
           <a:p>
             <a:fld id="{24929D6D-F7E9-BA43-B28D-B1C0CE4BAC6D}" type="datetimeFigureOut">
               <a:rPr lang="en-US" smtClean="0"/>
-              <a:t>7/25/19</a:t>
+              <a:t>1/9/20</a:t>
             </a:fld>
             <a:endParaRPr lang="en-US"/>
           </a:p>
@@ -875,7 +864,7 @@
           <a:p>
             <a:fld id="{24929D6D-F7E9-BA43-B28D-B1C0CE4BAC6D}" type="datetimeFigureOut">
               <a:rPr lang="en-US" smtClean="0"/>
-              <a:t>7/25/19</a:t>
+              <a:t>1/9/20</a:t>
             </a:fld>
             <a:endParaRPr lang="en-US"/>
           </a:p>
@@ -1150,7 +1139,7 @@
           <a:p>
             <a:fld id="{24929D6D-F7E9-BA43-B28D-B1C0CE4BAC6D}" type="datetimeFigureOut">
               <a:rPr lang="en-US" smtClean="0"/>
-              <a:t>7/25/19</a:t>
+              <a:t>1/9/20</a:t>
             </a:fld>
             <a:endParaRPr lang="en-US"/>
           </a:p>
@@ -1415,7 +1404,7 @@
           <a:p>
             <a:fld id="{24929D6D-F7E9-BA43-B28D-B1C0CE4BAC6D}" type="datetimeFigureOut">
               <a:rPr lang="en-US" smtClean="0"/>
-              <a:t>7/25/19</a:t>
+              <a:t>1/9/20</a:t>
             </a:fld>
             <a:endParaRPr lang="en-US"/>
           </a:p>
@@ -1827,7 +1816,7 @@
           <a:p>
             <a:fld id="{24929D6D-F7E9-BA43-B28D-B1C0CE4BAC6D}" type="datetimeFigureOut">
               <a:rPr lang="en-US" smtClean="0"/>
-              <a:t>7/25/19</a:t>
+              <a:t>1/9/20</a:t>
             </a:fld>
             <a:endParaRPr lang="en-US"/>
           </a:p>
@@ -1968,7 +1957,7 @@
           <a:p>
             <a:fld id="{24929D6D-F7E9-BA43-B28D-B1C0CE4BAC6D}" type="datetimeFigureOut">
               <a:rPr lang="en-US" smtClean="0"/>
-              <a:t>7/25/19</a:t>
+              <a:t>1/9/20</a:t>
             </a:fld>
             <a:endParaRPr lang="en-US"/>
           </a:p>
@@ -2081,7 +2070,7 @@
           <a:p>
             <a:fld id="{24929D6D-F7E9-BA43-B28D-B1C0CE4BAC6D}" type="datetimeFigureOut">
               <a:rPr lang="en-US" smtClean="0"/>
-              <a:t>7/25/19</a:t>
+              <a:t>1/9/20</a:t>
             </a:fld>
             <a:endParaRPr lang="en-US"/>
           </a:p>
@@ -2392,7 +2381,7 @@
           <a:p>
             <a:fld id="{24929D6D-F7E9-BA43-B28D-B1C0CE4BAC6D}" type="datetimeFigureOut">
               <a:rPr lang="en-US" smtClean="0"/>
-              <a:t>7/25/19</a:t>
+              <a:t>1/9/20</a:t>
             </a:fld>
             <a:endParaRPr lang="en-US"/>
           </a:p>
@@ -2680,7 +2669,7 @@
           <a:p>
             <a:fld id="{24929D6D-F7E9-BA43-B28D-B1C0CE4BAC6D}" type="datetimeFigureOut">
               <a:rPr lang="en-US" smtClean="0"/>
-              <a:t>7/25/19</a:t>
+              <a:t>1/9/20</a:t>
             </a:fld>
             <a:endParaRPr lang="en-US"/>
           </a:p>
@@ -2921,7 +2910,7 @@
           <a:p>
             <a:fld id="{24929D6D-F7E9-BA43-B28D-B1C0CE4BAC6D}" type="datetimeFigureOut">
               <a:rPr lang="en-US" smtClean="0"/>
-              <a:t>7/25/19</a:t>
+              <a:t>1/9/20</a:t>
             </a:fld>
             <a:endParaRPr lang="en-US"/>
           </a:p>
@@ -3343,7 +3332,7 @@
           <p:cNvPr id="9" name="Picture 8">
             <a:extLst>
               <a:ext uri="{FF2B5EF4-FFF2-40B4-BE49-F238E27FC236}">
-                <a16:creationId xmlns:a16="http://schemas.microsoft.com/office/drawing/2014/main" id="{C9AEC9E3-2789-3046-B1AC-1D2A3A3D5A56}"/>
+                <a16:creationId xmlns:a16="http://schemas.microsoft.com/office/drawing/2014/main" id="{825F3BDD-299C-5C4A-979A-E421FE180D99}"/>
               </a:ext>
             </a:extLst>
           </p:cNvPr>
@@ -3360,38 +3349,8 @@
         </p:blipFill>
         <p:spPr>
           <a:xfrm>
-            <a:off x="281811" y="1467231"/>
-            <a:ext cx="4904423" cy="3923538"/>
-          </a:xfrm>
-          <a:prstGeom prst="rect">
-            <a:avLst/>
-          </a:prstGeom>
-        </p:spPr>
-      </p:pic>
-      <p:pic>
-        <p:nvPicPr>
-          <p:cNvPr id="2" name="Picture 1">
-            <a:extLst>
-              <a:ext uri="{FF2B5EF4-FFF2-40B4-BE49-F238E27FC236}">
-                <a16:creationId xmlns:a16="http://schemas.microsoft.com/office/drawing/2014/main" id="{744E35F3-913A-C343-AD4B-BE25EB150F8B}"/>
-              </a:ext>
-            </a:extLst>
-          </p:cNvPr>
-          <p:cNvPicPr>
-            <a:picLocks noChangeAspect="1"/>
-          </p:cNvPicPr>
-          <p:nvPr/>
-        </p:nvPicPr>
-        <p:blipFill>
-          <a:blip r:embed="rId3"/>
-          <a:stretch>
-            <a:fillRect/>
-          </a:stretch>
-        </p:blipFill>
-        <p:spPr>
-          <a:xfrm>
-            <a:off x="5857104" y="937405"/>
-            <a:ext cx="6053086" cy="4842468"/>
+            <a:off x="2537011" y="560295"/>
+            <a:ext cx="7064189" cy="5298141"/>
           </a:xfrm>
           <a:prstGeom prst="rect">
             <a:avLst/>
@@ -3401,247 +3360,7 @@
     </p:spTree>
     <p:extLst>
       <p:ext uri="{BB962C8B-B14F-4D97-AF65-F5344CB8AC3E}">
-        <p14:creationId xmlns:p14="http://schemas.microsoft.com/office/powerpoint/2010/main" val="3491304632"/>
-      </p:ext>
-    </p:extLst>
-  </p:cSld>
-  <p:clrMapOvr>
-    <a:masterClrMapping/>
-  </p:clrMapOvr>
-</p:sld>
-</file>
-
-<file path=ppt/slides/slide10.xml><?xml version="1.0" encoding="utf-8"?>
-<p:sld xmlns:a="http://schemas.openxmlformats.org/drawingml/2006/main" xmlns:r="http://schemas.openxmlformats.org/officeDocument/2006/relationships" xmlns:p="http://schemas.openxmlformats.org/presentationml/2006/main">
-  <p:cSld>
-    <p:spTree>
-      <p:nvGrpSpPr>
-        <p:cNvPr id="1" name=""/>
-        <p:cNvGrpSpPr/>
-        <p:nvPr/>
-      </p:nvGrpSpPr>
-      <p:grpSpPr>
-        <a:xfrm>
-          <a:off x="0" y="0"/>
-          <a:ext cx="0" cy="0"/>
-          <a:chOff x="0" y="0"/>
-          <a:chExt cx="0" cy="0"/>
-        </a:xfrm>
-      </p:grpSpPr>
-      <p:pic>
-        <p:nvPicPr>
-          <p:cNvPr id="4" name="Picture 3">
-            <a:extLst>
-              <a:ext uri="{FF2B5EF4-FFF2-40B4-BE49-F238E27FC236}">
-                <a16:creationId xmlns:a16="http://schemas.microsoft.com/office/drawing/2014/main" id="{C4DBB08A-65EA-B049-B0BF-0569DDA01A90}"/>
-              </a:ext>
-            </a:extLst>
-          </p:cNvPr>
-          <p:cNvPicPr>
-            <a:picLocks noChangeAspect="1"/>
-          </p:cNvPicPr>
-          <p:nvPr/>
-        </p:nvPicPr>
-        <p:blipFill>
-          <a:blip r:embed="rId2"/>
-          <a:stretch>
-            <a:fillRect/>
-          </a:stretch>
-        </p:blipFill>
-        <p:spPr>
-          <a:xfrm>
-            <a:off x="2653748" y="674243"/>
-            <a:ext cx="6705599" cy="5662506"/>
-          </a:xfrm>
-          <a:prstGeom prst="rect">
-            <a:avLst/>
-          </a:prstGeom>
-        </p:spPr>
-      </p:pic>
-    </p:spTree>
-    <p:extLst>
-      <p:ext uri="{BB962C8B-B14F-4D97-AF65-F5344CB8AC3E}">
-        <p14:creationId xmlns:p14="http://schemas.microsoft.com/office/powerpoint/2010/main" val="625387072"/>
-      </p:ext>
-    </p:extLst>
-  </p:cSld>
-  <p:clrMapOvr>
-    <a:masterClrMapping/>
-  </p:clrMapOvr>
-</p:sld>
-</file>
-
-<file path=ppt/slides/slide11.xml><?xml version="1.0" encoding="utf-8"?>
-<p:sld xmlns:a="http://schemas.openxmlformats.org/drawingml/2006/main" xmlns:r="http://schemas.openxmlformats.org/officeDocument/2006/relationships" xmlns:p="http://schemas.openxmlformats.org/presentationml/2006/main">
-  <p:cSld>
-    <p:spTree>
-      <p:nvGrpSpPr>
-        <p:cNvPr id="1" name=""/>
-        <p:cNvGrpSpPr/>
-        <p:nvPr/>
-      </p:nvGrpSpPr>
-      <p:grpSpPr>
-        <a:xfrm>
-          <a:off x="0" y="0"/>
-          <a:ext cx="0" cy="0"/>
-          <a:chOff x="0" y="0"/>
-          <a:chExt cx="0" cy="0"/>
-        </a:xfrm>
-      </p:grpSpPr>
-      <p:pic>
-        <p:nvPicPr>
-          <p:cNvPr id="4" name="Picture 3">
-            <a:extLst>
-              <a:ext uri="{FF2B5EF4-FFF2-40B4-BE49-F238E27FC236}">
-                <a16:creationId xmlns:a16="http://schemas.microsoft.com/office/drawing/2014/main" id="{C4C6441F-A4BE-5D48-A0CF-95D739FE9B48}"/>
-              </a:ext>
-            </a:extLst>
-          </p:cNvPr>
-          <p:cNvPicPr>
-            <a:picLocks noChangeAspect="1"/>
-          </p:cNvPicPr>
-          <p:nvPr/>
-        </p:nvPicPr>
-        <p:blipFill>
-          <a:blip r:embed="rId2"/>
-          <a:stretch>
-            <a:fillRect/>
-          </a:stretch>
-        </p:blipFill>
-        <p:spPr>
-          <a:xfrm>
-            <a:off x="2641048" y="544994"/>
-            <a:ext cx="6909903" cy="5768012"/>
-          </a:xfrm>
-          <a:prstGeom prst="rect">
-            <a:avLst/>
-          </a:prstGeom>
-        </p:spPr>
-      </p:pic>
-    </p:spTree>
-    <p:extLst>
-      <p:ext uri="{BB962C8B-B14F-4D97-AF65-F5344CB8AC3E}">
-        <p14:creationId xmlns:p14="http://schemas.microsoft.com/office/powerpoint/2010/main" val="1121624375"/>
-      </p:ext>
-    </p:extLst>
-  </p:cSld>
-  <p:clrMapOvr>
-    <a:masterClrMapping/>
-  </p:clrMapOvr>
-</p:sld>
-</file>
-
-<file path=ppt/slides/slide12.xml><?xml version="1.0" encoding="utf-8"?>
-<p:sld xmlns:a="http://schemas.openxmlformats.org/drawingml/2006/main" xmlns:r="http://schemas.openxmlformats.org/officeDocument/2006/relationships" xmlns:p="http://schemas.openxmlformats.org/presentationml/2006/main">
-  <p:cSld>
-    <p:spTree>
-      <p:nvGrpSpPr>
-        <p:cNvPr id="1" name=""/>
-        <p:cNvGrpSpPr/>
-        <p:nvPr/>
-      </p:nvGrpSpPr>
-      <p:grpSpPr>
-        <a:xfrm>
-          <a:off x="0" y="0"/>
-          <a:ext cx="0" cy="0"/>
-          <a:chOff x="0" y="0"/>
-          <a:chExt cx="0" cy="0"/>
-        </a:xfrm>
-      </p:grpSpPr>
-      <p:pic>
-        <p:nvPicPr>
-          <p:cNvPr id="4" name="Picture 3">
-            <a:extLst>
-              <a:ext uri="{FF2B5EF4-FFF2-40B4-BE49-F238E27FC236}">
-                <a16:creationId xmlns:a16="http://schemas.microsoft.com/office/drawing/2014/main" id="{0FC09EF9-6027-B543-8CC8-A224F67F2397}"/>
-              </a:ext>
-            </a:extLst>
-          </p:cNvPr>
-          <p:cNvPicPr>
-            <a:picLocks noChangeAspect="1"/>
-          </p:cNvPicPr>
-          <p:nvPr/>
-        </p:nvPicPr>
-        <p:blipFill>
-          <a:blip r:embed="rId2"/>
-          <a:stretch>
-            <a:fillRect/>
-          </a:stretch>
-        </p:blipFill>
-        <p:spPr>
-          <a:xfrm>
-            <a:off x="2866768" y="683330"/>
-            <a:ext cx="6866236" cy="5492989"/>
-          </a:xfrm>
-          <a:prstGeom prst="rect">
-            <a:avLst/>
-          </a:prstGeom>
-        </p:spPr>
-      </p:pic>
-    </p:spTree>
-    <p:extLst>
-      <p:ext uri="{BB962C8B-B14F-4D97-AF65-F5344CB8AC3E}">
-        <p14:creationId xmlns:p14="http://schemas.microsoft.com/office/powerpoint/2010/main" val="1999429667"/>
-      </p:ext>
-    </p:extLst>
-  </p:cSld>
-  <p:clrMapOvr>
-    <a:masterClrMapping/>
-  </p:clrMapOvr>
-</p:sld>
-</file>
-
-<file path=ppt/slides/slide13.xml><?xml version="1.0" encoding="utf-8"?>
-<p:sld xmlns:a="http://schemas.openxmlformats.org/drawingml/2006/main" xmlns:r="http://schemas.openxmlformats.org/officeDocument/2006/relationships" xmlns:p="http://schemas.openxmlformats.org/presentationml/2006/main">
-  <p:cSld>
-    <p:spTree>
-      <p:nvGrpSpPr>
-        <p:cNvPr id="1" name=""/>
-        <p:cNvGrpSpPr/>
-        <p:nvPr/>
-      </p:nvGrpSpPr>
-      <p:grpSpPr>
-        <a:xfrm>
-          <a:off x="0" y="0"/>
-          <a:ext cx="0" cy="0"/>
-          <a:chOff x="0" y="0"/>
-          <a:chExt cx="0" cy="0"/>
-        </a:xfrm>
-      </p:grpSpPr>
-      <p:pic>
-        <p:nvPicPr>
-          <p:cNvPr id="9" name="Picture 8">
-            <a:extLst>
-              <a:ext uri="{FF2B5EF4-FFF2-40B4-BE49-F238E27FC236}">
-                <a16:creationId xmlns:a16="http://schemas.microsoft.com/office/drawing/2014/main" id="{F3CAC6DF-A787-0A43-A4EE-F05C9B7678EE}"/>
-              </a:ext>
-            </a:extLst>
-          </p:cNvPr>
-          <p:cNvPicPr>
-            <a:picLocks noChangeAspect="1"/>
-          </p:cNvPicPr>
-          <p:nvPr/>
-        </p:nvPicPr>
-        <p:blipFill>
-          <a:blip r:embed="rId2"/>
-          <a:stretch>
-            <a:fillRect/>
-          </a:stretch>
-        </p:blipFill>
-        <p:spPr>
-          <a:xfrm>
-            <a:off x="2792628" y="667677"/>
-            <a:ext cx="6903308" cy="5522646"/>
-          </a:xfrm>
-          <a:prstGeom prst="rect">
-            <a:avLst/>
-          </a:prstGeom>
-        </p:spPr>
-      </p:pic>
-    </p:spTree>
-    <p:extLst>
-      <p:ext uri="{BB962C8B-B14F-4D97-AF65-F5344CB8AC3E}">
-        <p14:creationId xmlns:p14="http://schemas.microsoft.com/office/powerpoint/2010/main" val="1862191831"/>
+        <p14:creationId xmlns:p14="http://schemas.microsoft.com/office/powerpoint/2010/main" val="4242463140"/>
       </p:ext>
     </p:extLst>
   </p:cSld>
@@ -3670,10 +3389,10 @@
       </p:grpSpPr>
       <p:pic>
         <p:nvPicPr>
-          <p:cNvPr id="9" name="Picture 8">
-            <a:extLst>
-              <a:ext uri="{FF2B5EF4-FFF2-40B4-BE49-F238E27FC236}">
-                <a16:creationId xmlns:a16="http://schemas.microsoft.com/office/drawing/2014/main" id="{5DABBF41-26B5-C141-9CD9-3C8A68C0A0BB}"/>
+          <p:cNvPr id="4" name="Picture 3">
+            <a:extLst>
+              <a:ext uri="{FF2B5EF4-FFF2-40B4-BE49-F238E27FC236}">
+                <a16:creationId xmlns:a16="http://schemas.microsoft.com/office/drawing/2014/main" id="{1CA204B9-42A4-CA4F-9305-61B246246984}"/>
               </a:ext>
             </a:extLst>
           </p:cNvPr>
@@ -3690,242 +3409,8 @@
         </p:blipFill>
         <p:spPr>
           <a:xfrm>
-            <a:off x="-12356" y="1600200"/>
-            <a:ext cx="4093175" cy="3274540"/>
-          </a:xfrm>
-          <a:prstGeom prst="rect">
-            <a:avLst/>
-          </a:prstGeom>
-        </p:spPr>
-      </p:pic>
-      <p:pic>
-        <p:nvPicPr>
-          <p:cNvPr id="15" name="Picture 14">
-            <a:extLst>
-              <a:ext uri="{FF2B5EF4-FFF2-40B4-BE49-F238E27FC236}">
-                <a16:creationId xmlns:a16="http://schemas.microsoft.com/office/drawing/2014/main" id="{73AB1411-169A-344C-86EB-E21D93BC1744}"/>
-              </a:ext>
-            </a:extLst>
-          </p:cNvPr>
-          <p:cNvPicPr>
-            <a:picLocks noChangeAspect="1"/>
-          </p:cNvPicPr>
-          <p:nvPr/>
-        </p:nvPicPr>
-        <p:blipFill>
-          <a:blip r:embed="rId3"/>
-          <a:stretch>
-            <a:fillRect/>
-          </a:stretch>
-        </p:blipFill>
-        <p:spPr>
-          <a:xfrm>
-            <a:off x="8082218" y="1600200"/>
-            <a:ext cx="4077782" cy="3273552"/>
-          </a:xfrm>
-          <a:prstGeom prst="rect">
-            <a:avLst/>
-          </a:prstGeom>
-        </p:spPr>
-      </p:pic>
-      <p:pic>
-        <p:nvPicPr>
-          <p:cNvPr id="16" name="Picture 15">
-            <a:extLst>
-              <a:ext uri="{FF2B5EF4-FFF2-40B4-BE49-F238E27FC236}">
-                <a16:creationId xmlns:a16="http://schemas.microsoft.com/office/drawing/2014/main" id="{C8F8B523-489F-B04C-8E2A-F8DE8F02BA3C}"/>
-              </a:ext>
-            </a:extLst>
-          </p:cNvPr>
-          <p:cNvPicPr>
-            <a:picLocks noChangeAspect="1"/>
-          </p:cNvPicPr>
-          <p:nvPr/>
-        </p:nvPicPr>
-        <p:blipFill>
-          <a:blip r:embed="rId4"/>
-          <a:stretch>
-            <a:fillRect/>
-          </a:stretch>
-        </p:blipFill>
-        <p:spPr>
-          <a:xfrm>
-            <a:off x="4050029" y="1600200"/>
-            <a:ext cx="4091941" cy="3273552"/>
-          </a:xfrm>
-          <a:prstGeom prst="rect">
-            <a:avLst/>
-          </a:prstGeom>
-        </p:spPr>
-      </p:pic>
-      <p:sp>
-        <p:nvSpPr>
-          <p:cNvPr id="17" name="TextBox 16">
-            <a:extLst>
-              <a:ext uri="{FF2B5EF4-FFF2-40B4-BE49-F238E27FC236}">
-                <a16:creationId xmlns:a16="http://schemas.microsoft.com/office/drawing/2014/main" id="{331C1E45-6C87-3648-8579-20B830842A9A}"/>
-              </a:ext>
-            </a:extLst>
-          </p:cNvPr>
-          <p:cNvSpPr txBox="1"/>
-          <p:nvPr/>
-        </p:nvSpPr>
-        <p:spPr>
-          <a:xfrm>
-            <a:off x="1691693" y="1136822"/>
-            <a:ext cx="758396" cy="369332"/>
-          </a:xfrm>
-          <a:prstGeom prst="rect">
-            <a:avLst/>
-          </a:prstGeom>
-          <a:noFill/>
-        </p:spPr>
-        <p:txBody>
-          <a:bodyPr wrap="square" rtlCol="0">
-            <a:spAutoFit/>
-          </a:bodyPr>
-          <a:lstStyle/>
-          <a:p>
-            <a:r>
-              <a:rPr lang="en-US" dirty="0">
-                <a:latin typeface="Times New Roman" panose="02020603050405020304" pitchFamily="18" charset="0"/>
-                <a:cs typeface="Times New Roman" panose="02020603050405020304" pitchFamily="18" charset="0"/>
-              </a:rPr>
-              <a:t>100 K</a:t>
-            </a:r>
-          </a:p>
-        </p:txBody>
-      </p:sp>
-      <p:sp>
-        <p:nvSpPr>
-          <p:cNvPr id="19" name="TextBox 18">
-            <a:extLst>
-              <a:ext uri="{FF2B5EF4-FFF2-40B4-BE49-F238E27FC236}">
-                <a16:creationId xmlns:a16="http://schemas.microsoft.com/office/drawing/2014/main" id="{4500DF36-B97F-0244-8564-436D41B46C46}"/>
-              </a:ext>
-            </a:extLst>
-          </p:cNvPr>
-          <p:cNvSpPr txBox="1"/>
-          <p:nvPr/>
-        </p:nvSpPr>
-        <p:spPr>
-          <a:xfrm>
-            <a:off x="5716801" y="1136822"/>
-            <a:ext cx="758396" cy="369332"/>
-          </a:xfrm>
-          <a:prstGeom prst="rect">
-            <a:avLst/>
-          </a:prstGeom>
-          <a:noFill/>
-        </p:spPr>
-        <p:txBody>
-          <a:bodyPr wrap="square" rtlCol="0">
-            <a:spAutoFit/>
-          </a:bodyPr>
-          <a:lstStyle/>
-          <a:p>
-            <a:r>
-              <a:rPr lang="en-US" dirty="0">
-                <a:latin typeface="Times New Roman" panose="02020603050405020304" pitchFamily="18" charset="0"/>
-                <a:cs typeface="Times New Roman" panose="02020603050405020304" pitchFamily="18" charset="0"/>
-              </a:rPr>
-              <a:t>300 K</a:t>
-            </a:r>
-          </a:p>
-        </p:txBody>
-      </p:sp>
-      <p:sp>
-        <p:nvSpPr>
-          <p:cNvPr id="20" name="TextBox 19">
-            <a:extLst>
-              <a:ext uri="{FF2B5EF4-FFF2-40B4-BE49-F238E27FC236}">
-                <a16:creationId xmlns:a16="http://schemas.microsoft.com/office/drawing/2014/main" id="{258F4EB9-C8BA-D845-9F04-B3B231A8CFD3}"/>
-              </a:ext>
-            </a:extLst>
-          </p:cNvPr>
-          <p:cNvSpPr txBox="1"/>
-          <p:nvPr/>
-        </p:nvSpPr>
-        <p:spPr>
-          <a:xfrm>
-            <a:off x="9741911" y="1136822"/>
-            <a:ext cx="758396" cy="369332"/>
-          </a:xfrm>
-          <a:prstGeom prst="rect">
-            <a:avLst/>
-          </a:prstGeom>
-          <a:noFill/>
-        </p:spPr>
-        <p:txBody>
-          <a:bodyPr wrap="square" rtlCol="0">
-            <a:spAutoFit/>
-          </a:bodyPr>
-          <a:lstStyle/>
-          <a:p>
-            <a:r>
-              <a:rPr lang="en-US" dirty="0">
-                <a:latin typeface="Times New Roman" panose="02020603050405020304" pitchFamily="18" charset="0"/>
-                <a:cs typeface="Times New Roman" panose="02020603050405020304" pitchFamily="18" charset="0"/>
-              </a:rPr>
-              <a:t>500 K</a:t>
-            </a:r>
-          </a:p>
-        </p:txBody>
-      </p:sp>
-    </p:spTree>
-    <p:extLst>
-      <p:ext uri="{BB962C8B-B14F-4D97-AF65-F5344CB8AC3E}">
-        <p14:creationId xmlns:p14="http://schemas.microsoft.com/office/powerpoint/2010/main" val="3163929474"/>
-      </p:ext>
-    </p:extLst>
-  </p:cSld>
-  <p:clrMapOvr>
-    <a:masterClrMapping/>
-  </p:clrMapOvr>
-</p:sld>
-</file>
-
-<file path=ppt/slides/slide3.xml><?xml version="1.0" encoding="utf-8"?>
-<p:sld xmlns:a="http://schemas.openxmlformats.org/drawingml/2006/main" xmlns:r="http://schemas.openxmlformats.org/officeDocument/2006/relationships" xmlns:p="http://schemas.openxmlformats.org/presentationml/2006/main">
-  <p:cSld>
-    <p:spTree>
-      <p:nvGrpSpPr>
-        <p:cNvPr id="1" name=""/>
-        <p:cNvGrpSpPr/>
-        <p:nvPr/>
-      </p:nvGrpSpPr>
-      <p:grpSpPr>
-        <a:xfrm>
-          <a:off x="0" y="0"/>
-          <a:ext cx="0" cy="0"/>
-          <a:chOff x="0" y="0"/>
-          <a:chExt cx="0" cy="0"/>
-        </a:xfrm>
-      </p:grpSpPr>
-      <p:pic>
-        <p:nvPicPr>
-          <p:cNvPr id="5" name="Picture 4">
-            <a:extLst>
-              <a:ext uri="{FF2B5EF4-FFF2-40B4-BE49-F238E27FC236}">
-                <a16:creationId xmlns:a16="http://schemas.microsoft.com/office/drawing/2014/main" id="{E39CEAED-4F72-BF4C-9895-0782F168011C}"/>
-              </a:ext>
-            </a:extLst>
-          </p:cNvPr>
-          <p:cNvPicPr>
-            <a:picLocks noChangeAspect="1"/>
-          </p:cNvPicPr>
-          <p:nvPr/>
-        </p:nvPicPr>
-        <p:blipFill>
-          <a:blip r:embed="rId2"/>
-          <a:stretch>
-            <a:fillRect/>
-          </a:stretch>
-        </p:blipFill>
-        <p:spPr>
-          <a:xfrm>
-            <a:off x="2931632" y="1049288"/>
-            <a:ext cx="6328735" cy="5121279"/>
+            <a:off x="2677458" y="824753"/>
+            <a:ext cx="6681695" cy="5011271"/>
           </a:xfrm>
           <a:prstGeom prst="rect">
             <a:avLst/>
@@ -3935,432 +3420,7 @@
     </p:spTree>
     <p:extLst>
       <p:ext uri="{BB962C8B-B14F-4D97-AF65-F5344CB8AC3E}">
-        <p14:creationId xmlns:p14="http://schemas.microsoft.com/office/powerpoint/2010/main" val="911893614"/>
-      </p:ext>
-    </p:extLst>
-  </p:cSld>
-  <p:clrMapOvr>
-    <a:masterClrMapping/>
-  </p:clrMapOvr>
-</p:sld>
-</file>
-
-<file path=ppt/slides/slide4.xml><?xml version="1.0" encoding="utf-8"?>
-<p:sld xmlns:a="http://schemas.openxmlformats.org/drawingml/2006/main" xmlns:r="http://schemas.openxmlformats.org/officeDocument/2006/relationships" xmlns:p="http://schemas.openxmlformats.org/presentationml/2006/main">
-  <p:cSld>
-    <p:spTree>
-      <p:nvGrpSpPr>
-        <p:cNvPr id="1" name=""/>
-        <p:cNvGrpSpPr/>
-        <p:nvPr/>
-      </p:nvGrpSpPr>
-      <p:grpSpPr>
-        <a:xfrm>
-          <a:off x="0" y="0"/>
-          <a:ext cx="0" cy="0"/>
-          <a:chOff x="0" y="0"/>
-          <a:chExt cx="0" cy="0"/>
-        </a:xfrm>
-      </p:grpSpPr>
-      <p:pic>
-        <p:nvPicPr>
-          <p:cNvPr id="4" name="Picture 3">
-            <a:extLst>
-              <a:ext uri="{FF2B5EF4-FFF2-40B4-BE49-F238E27FC236}">
-                <a16:creationId xmlns:a16="http://schemas.microsoft.com/office/drawing/2014/main" id="{890648C0-F346-1B4C-B492-FC3C3EB09602}"/>
-              </a:ext>
-            </a:extLst>
-          </p:cNvPr>
-          <p:cNvPicPr>
-            <a:picLocks noChangeAspect="1"/>
-          </p:cNvPicPr>
-          <p:nvPr/>
-        </p:nvPicPr>
-        <p:blipFill>
-          <a:blip r:embed="rId2"/>
-          <a:stretch>
-            <a:fillRect/>
-          </a:stretch>
-        </p:blipFill>
-        <p:spPr>
-          <a:xfrm>
-            <a:off x="2785730" y="780784"/>
-            <a:ext cx="6620539" cy="5296431"/>
-          </a:xfrm>
-          <a:prstGeom prst="rect">
-            <a:avLst/>
-          </a:prstGeom>
-        </p:spPr>
-      </p:pic>
-    </p:spTree>
-    <p:extLst>
-      <p:ext uri="{BB962C8B-B14F-4D97-AF65-F5344CB8AC3E}">
-        <p14:creationId xmlns:p14="http://schemas.microsoft.com/office/powerpoint/2010/main" val="4067837515"/>
-      </p:ext>
-    </p:extLst>
-  </p:cSld>
-  <p:clrMapOvr>
-    <a:masterClrMapping/>
-  </p:clrMapOvr>
-</p:sld>
-</file>
-
-<file path=ppt/slides/slide5.xml><?xml version="1.0" encoding="utf-8"?>
-<p:sld xmlns:a="http://schemas.openxmlformats.org/drawingml/2006/main" xmlns:r="http://schemas.openxmlformats.org/officeDocument/2006/relationships" xmlns:p="http://schemas.openxmlformats.org/presentationml/2006/main">
-  <p:cSld>
-    <p:spTree>
-      <p:nvGrpSpPr>
-        <p:cNvPr id="1" name=""/>
-        <p:cNvGrpSpPr/>
-        <p:nvPr/>
-      </p:nvGrpSpPr>
-      <p:grpSpPr>
-        <a:xfrm>
-          <a:off x="0" y="0"/>
-          <a:ext cx="0" cy="0"/>
-          <a:chOff x="0" y="0"/>
-          <a:chExt cx="0" cy="0"/>
-        </a:xfrm>
-      </p:grpSpPr>
-      <p:pic>
-        <p:nvPicPr>
-          <p:cNvPr id="4" name="Picture 3">
-            <a:extLst>
-              <a:ext uri="{FF2B5EF4-FFF2-40B4-BE49-F238E27FC236}">
-                <a16:creationId xmlns:a16="http://schemas.microsoft.com/office/drawing/2014/main" id="{902F93FB-6C5E-0E45-8536-063EAD887EC0}"/>
-              </a:ext>
-            </a:extLst>
-          </p:cNvPr>
-          <p:cNvPicPr>
-            <a:picLocks noChangeAspect="1"/>
-          </p:cNvPicPr>
-          <p:nvPr/>
-        </p:nvPicPr>
-        <p:blipFill>
-          <a:blip r:embed="rId2"/>
-          <a:stretch>
-            <a:fillRect/>
-          </a:stretch>
-        </p:blipFill>
-        <p:spPr>
-          <a:xfrm>
-            <a:off x="3051544" y="1149902"/>
-            <a:ext cx="5629645" cy="4558196"/>
-          </a:xfrm>
-          <a:prstGeom prst="rect">
-            <a:avLst/>
-          </a:prstGeom>
-        </p:spPr>
-      </p:pic>
-    </p:spTree>
-    <p:extLst>
-      <p:ext uri="{BB962C8B-B14F-4D97-AF65-F5344CB8AC3E}">
-        <p14:creationId xmlns:p14="http://schemas.microsoft.com/office/powerpoint/2010/main" val="3878183110"/>
-      </p:ext>
-    </p:extLst>
-  </p:cSld>
-  <p:clrMapOvr>
-    <a:masterClrMapping/>
-  </p:clrMapOvr>
-</p:sld>
-</file>
-
-<file path=ppt/slides/slide6.xml><?xml version="1.0" encoding="utf-8"?>
-<p:sld xmlns:a="http://schemas.openxmlformats.org/drawingml/2006/main" xmlns:r="http://schemas.openxmlformats.org/officeDocument/2006/relationships" xmlns:p="http://schemas.openxmlformats.org/presentationml/2006/main">
-  <p:cSld>
-    <p:spTree>
-      <p:nvGrpSpPr>
-        <p:cNvPr id="1" name=""/>
-        <p:cNvGrpSpPr/>
-        <p:nvPr/>
-      </p:nvGrpSpPr>
-      <p:grpSpPr>
-        <a:xfrm>
-          <a:off x="0" y="0"/>
-          <a:ext cx="0" cy="0"/>
-          <a:chOff x="0" y="0"/>
-          <a:chExt cx="0" cy="0"/>
-        </a:xfrm>
-      </p:grpSpPr>
-      <p:pic>
-        <p:nvPicPr>
-          <p:cNvPr id="12" name="Picture 11">
-            <a:extLst>
-              <a:ext uri="{FF2B5EF4-FFF2-40B4-BE49-F238E27FC236}">
-                <a16:creationId xmlns:a16="http://schemas.microsoft.com/office/drawing/2014/main" id="{79097A3B-92D5-C649-8CC1-EEA34A522E26}"/>
-              </a:ext>
-            </a:extLst>
-          </p:cNvPr>
-          <p:cNvPicPr>
-            <a:picLocks noChangeAspect="1"/>
-          </p:cNvPicPr>
-          <p:nvPr/>
-        </p:nvPicPr>
-        <p:blipFill>
-          <a:blip r:embed="rId2"/>
-          <a:stretch>
-            <a:fillRect/>
-          </a:stretch>
-        </p:blipFill>
-        <p:spPr>
-          <a:xfrm>
-            <a:off x="2339163" y="884264"/>
-            <a:ext cx="6003261" cy="4791760"/>
-          </a:xfrm>
-          <a:prstGeom prst="rect">
-            <a:avLst/>
-          </a:prstGeom>
-        </p:spPr>
-      </p:pic>
-      <p:sp>
-        <p:nvSpPr>
-          <p:cNvPr id="13" name="TextBox 12">
-            <a:extLst>
-              <a:ext uri="{FF2B5EF4-FFF2-40B4-BE49-F238E27FC236}">
-                <a16:creationId xmlns:a16="http://schemas.microsoft.com/office/drawing/2014/main" id="{D14D1EE4-B6C2-EE44-ADD3-7BA65AE703E3}"/>
-              </a:ext>
-            </a:extLst>
-          </p:cNvPr>
-          <p:cNvSpPr txBox="1"/>
-          <p:nvPr/>
-        </p:nvSpPr>
-        <p:spPr>
-          <a:xfrm>
-            <a:off x="2966484" y="5879805"/>
-            <a:ext cx="5375940" cy="369332"/>
-          </a:xfrm>
-          <a:prstGeom prst="rect">
-            <a:avLst/>
-          </a:prstGeom>
-          <a:noFill/>
-        </p:spPr>
-        <p:txBody>
-          <a:bodyPr wrap="square" rtlCol="0">
-            <a:spAutoFit/>
-          </a:bodyPr>
-          <a:lstStyle/>
-          <a:p>
-            <a:r>
-              <a:rPr lang="en-US" dirty="0"/>
-              <a:t>make one of these for Xe 0.001 as well</a:t>
-            </a:r>
-          </a:p>
-        </p:txBody>
-      </p:sp>
-    </p:spTree>
-    <p:extLst>
-      <p:ext uri="{BB962C8B-B14F-4D97-AF65-F5344CB8AC3E}">
-        <p14:creationId xmlns:p14="http://schemas.microsoft.com/office/powerpoint/2010/main" val="741939872"/>
-      </p:ext>
-    </p:extLst>
-  </p:cSld>
-  <p:clrMapOvr>
-    <a:masterClrMapping/>
-  </p:clrMapOvr>
-</p:sld>
-</file>
-
-<file path=ppt/slides/slide7.xml><?xml version="1.0" encoding="utf-8"?>
-<p:sld xmlns:a="http://schemas.openxmlformats.org/drawingml/2006/main" xmlns:r="http://schemas.openxmlformats.org/officeDocument/2006/relationships" xmlns:p="http://schemas.openxmlformats.org/presentationml/2006/main">
-  <p:cSld>
-    <p:spTree>
-      <p:nvGrpSpPr>
-        <p:cNvPr id="1" name=""/>
-        <p:cNvGrpSpPr/>
-        <p:nvPr/>
-      </p:nvGrpSpPr>
-      <p:grpSpPr>
-        <a:xfrm>
-          <a:off x="0" y="0"/>
-          <a:ext cx="0" cy="0"/>
-          <a:chOff x="0" y="0"/>
-          <a:chExt cx="0" cy="0"/>
-        </a:xfrm>
-      </p:grpSpPr>
-      <p:pic>
-        <p:nvPicPr>
-          <p:cNvPr id="4" name="Picture 3">
-            <a:extLst>
-              <a:ext uri="{FF2B5EF4-FFF2-40B4-BE49-F238E27FC236}">
-                <a16:creationId xmlns:a16="http://schemas.microsoft.com/office/drawing/2014/main" id="{F1CC641E-CBE8-6142-8DAF-ACBBE786A4DC}"/>
-              </a:ext>
-            </a:extLst>
-          </p:cNvPr>
-          <p:cNvPicPr>
-            <a:picLocks noChangeAspect="1"/>
-          </p:cNvPicPr>
-          <p:nvPr/>
-        </p:nvPicPr>
-        <p:blipFill>
-          <a:blip r:embed="rId2"/>
-          <a:stretch>
-            <a:fillRect/>
-          </a:stretch>
-        </p:blipFill>
-        <p:spPr>
-          <a:xfrm>
-            <a:off x="2660822" y="815957"/>
-            <a:ext cx="6532606" cy="5226085"/>
-          </a:xfrm>
-          <a:prstGeom prst="rect">
-            <a:avLst/>
-          </a:prstGeom>
-        </p:spPr>
-      </p:pic>
-    </p:spTree>
-    <p:extLst>
-      <p:ext uri="{BB962C8B-B14F-4D97-AF65-F5344CB8AC3E}">
-        <p14:creationId xmlns:p14="http://schemas.microsoft.com/office/powerpoint/2010/main" val="1087404594"/>
-      </p:ext>
-    </p:extLst>
-  </p:cSld>
-  <p:clrMapOvr>
-    <a:masterClrMapping/>
-  </p:clrMapOvr>
-</p:sld>
-</file>
-
-<file path=ppt/slides/slide8.xml><?xml version="1.0" encoding="utf-8"?>
-<p:sld xmlns:a="http://schemas.openxmlformats.org/drawingml/2006/main" xmlns:r="http://schemas.openxmlformats.org/officeDocument/2006/relationships" xmlns:p="http://schemas.openxmlformats.org/presentationml/2006/main">
-  <p:cSld>
-    <p:spTree>
-      <p:nvGrpSpPr>
-        <p:cNvPr id="1" name=""/>
-        <p:cNvGrpSpPr/>
-        <p:nvPr/>
-      </p:nvGrpSpPr>
-      <p:grpSpPr>
-        <a:xfrm>
-          <a:off x="0" y="0"/>
-          <a:ext cx="0" cy="0"/>
-          <a:chOff x="0" y="0"/>
-          <a:chExt cx="0" cy="0"/>
-        </a:xfrm>
-      </p:grpSpPr>
-      <p:pic>
-        <p:nvPicPr>
-          <p:cNvPr id="7" name="Picture 6">
-            <a:extLst>
-              <a:ext uri="{FF2B5EF4-FFF2-40B4-BE49-F238E27FC236}">
-                <a16:creationId xmlns:a16="http://schemas.microsoft.com/office/drawing/2014/main" id="{6F6CD858-40B5-2B4F-AF35-A09790DC6883}"/>
-              </a:ext>
-            </a:extLst>
-          </p:cNvPr>
-          <p:cNvPicPr>
-            <a:picLocks noChangeAspect="1"/>
-          </p:cNvPicPr>
-          <p:nvPr/>
-        </p:nvPicPr>
-        <p:blipFill>
-          <a:blip r:embed="rId2"/>
-          <a:stretch>
-            <a:fillRect/>
-          </a:stretch>
-        </p:blipFill>
-        <p:spPr>
-          <a:xfrm>
-            <a:off x="2643809" y="877956"/>
-            <a:ext cx="6377610" cy="5102088"/>
-          </a:xfrm>
-          <a:prstGeom prst="rect">
-            <a:avLst/>
-          </a:prstGeom>
-        </p:spPr>
-      </p:pic>
-    </p:spTree>
-    <p:extLst>
-      <p:ext uri="{BB962C8B-B14F-4D97-AF65-F5344CB8AC3E}">
-        <p14:creationId xmlns:p14="http://schemas.microsoft.com/office/powerpoint/2010/main" val="692621543"/>
-      </p:ext>
-    </p:extLst>
-  </p:cSld>
-  <p:clrMapOvr>
-    <a:masterClrMapping/>
-  </p:clrMapOvr>
-</p:sld>
-</file>
-
-<file path=ppt/slides/slide9.xml><?xml version="1.0" encoding="utf-8"?>
-<p:sld xmlns:a="http://schemas.openxmlformats.org/drawingml/2006/main" xmlns:r="http://schemas.openxmlformats.org/officeDocument/2006/relationships" xmlns:p="http://schemas.openxmlformats.org/presentationml/2006/main">
-  <p:cSld>
-    <p:spTree>
-      <p:nvGrpSpPr>
-        <p:cNvPr id="1" name=""/>
-        <p:cNvGrpSpPr/>
-        <p:nvPr/>
-      </p:nvGrpSpPr>
-      <p:grpSpPr>
-        <a:xfrm>
-          <a:off x="0" y="0"/>
-          <a:ext cx="0" cy="0"/>
-          <a:chOff x="0" y="0"/>
-          <a:chExt cx="0" cy="0"/>
-        </a:xfrm>
-      </p:grpSpPr>
-      <p:pic>
-        <p:nvPicPr>
-          <p:cNvPr id="4" name="Picture 3">
-            <a:extLst>
-              <a:ext uri="{FF2B5EF4-FFF2-40B4-BE49-F238E27FC236}">
-                <a16:creationId xmlns:a16="http://schemas.microsoft.com/office/drawing/2014/main" id="{E02C52D4-51B1-6945-9A83-A7678AF57593}"/>
-              </a:ext>
-            </a:extLst>
-          </p:cNvPr>
-          <p:cNvPicPr>
-            <a:picLocks noChangeAspect="1"/>
-          </p:cNvPicPr>
-          <p:nvPr/>
-        </p:nvPicPr>
-        <p:blipFill>
-          <a:blip r:embed="rId2"/>
-          <a:stretch>
-            <a:fillRect/>
-          </a:stretch>
-        </p:blipFill>
-        <p:spPr>
-          <a:xfrm>
-            <a:off x="5999921" y="1795669"/>
-            <a:ext cx="4572000" cy="3657600"/>
-          </a:xfrm>
-          <a:prstGeom prst="rect">
-            <a:avLst/>
-          </a:prstGeom>
-        </p:spPr>
-      </p:pic>
-      <p:pic>
-        <p:nvPicPr>
-          <p:cNvPr id="2" name="Picture 1">
-            <a:extLst>
-              <a:ext uri="{FF2B5EF4-FFF2-40B4-BE49-F238E27FC236}">
-                <a16:creationId xmlns:a16="http://schemas.microsoft.com/office/drawing/2014/main" id="{C81A625D-37CA-CE47-8A88-37DB4DFCA1C6}"/>
-              </a:ext>
-            </a:extLst>
-          </p:cNvPr>
-          <p:cNvPicPr>
-            <a:picLocks noChangeAspect="1"/>
-          </p:cNvPicPr>
-          <p:nvPr/>
-        </p:nvPicPr>
-        <p:blipFill>
-          <a:blip r:embed="rId3"/>
-          <a:stretch>
-            <a:fillRect/>
-          </a:stretch>
-        </p:blipFill>
-        <p:spPr>
-          <a:xfrm>
-            <a:off x="1524000" y="1795669"/>
-            <a:ext cx="4572000" cy="3657600"/>
-          </a:xfrm>
-          <a:prstGeom prst="rect">
-            <a:avLst/>
-          </a:prstGeom>
-        </p:spPr>
-      </p:pic>
-    </p:spTree>
-    <p:extLst>
-      <p:ext uri="{BB962C8B-B14F-4D97-AF65-F5344CB8AC3E}">
-        <p14:creationId xmlns:p14="http://schemas.microsoft.com/office/powerpoint/2010/main" val="1377151674"/>
+        <p14:creationId xmlns:p14="http://schemas.microsoft.com/office/powerpoint/2010/main" val="3742328638"/>
       </p:ext>
     </p:extLst>
   </p:cSld>

--- a/umoxe_rad_driven_diff/pics.pptx
+++ b/umoxe_rad_driven_diff/pics.pptx
@@ -7,6 +7,11 @@
   <p:sldIdLst>
     <p:sldId id="256" r:id="rId2"/>
     <p:sldId id="257" r:id="rId3"/>
+    <p:sldId id="258" r:id="rId4"/>
+    <p:sldId id="259" r:id="rId5"/>
+    <p:sldId id="260" r:id="rId6"/>
+    <p:sldId id="262" r:id="rId7"/>
+    <p:sldId id="261" r:id="rId8"/>
   </p:sldIdLst>
   <p:sldSz cx="12192000" cy="6858000"/>
   <p:notesSz cx="6858000" cy="9144000"/>
@@ -260,7 +265,7 @@
           <a:p>
             <a:fld id="{24929D6D-F7E9-BA43-B28D-B1C0CE4BAC6D}" type="datetimeFigureOut">
               <a:rPr lang="en-US" smtClean="0"/>
-              <a:t>1/9/20</a:t>
+              <a:t>6/5/20</a:t>
             </a:fld>
             <a:endParaRPr lang="en-US"/>
           </a:p>
@@ -458,7 +463,7 @@
           <a:p>
             <a:fld id="{24929D6D-F7E9-BA43-B28D-B1C0CE4BAC6D}" type="datetimeFigureOut">
               <a:rPr lang="en-US" smtClean="0"/>
-              <a:t>1/9/20</a:t>
+              <a:t>6/5/20</a:t>
             </a:fld>
             <a:endParaRPr lang="en-US"/>
           </a:p>
@@ -666,7 +671,7 @@
           <a:p>
             <a:fld id="{24929D6D-F7E9-BA43-B28D-B1C0CE4BAC6D}" type="datetimeFigureOut">
               <a:rPr lang="en-US" smtClean="0"/>
-              <a:t>1/9/20</a:t>
+              <a:t>6/5/20</a:t>
             </a:fld>
             <a:endParaRPr lang="en-US"/>
           </a:p>
@@ -864,7 +869,7 @@
           <a:p>
             <a:fld id="{24929D6D-F7E9-BA43-B28D-B1C0CE4BAC6D}" type="datetimeFigureOut">
               <a:rPr lang="en-US" smtClean="0"/>
-              <a:t>1/9/20</a:t>
+              <a:t>6/5/20</a:t>
             </a:fld>
             <a:endParaRPr lang="en-US"/>
           </a:p>
@@ -1139,7 +1144,7 @@
           <a:p>
             <a:fld id="{24929D6D-F7E9-BA43-B28D-B1C0CE4BAC6D}" type="datetimeFigureOut">
               <a:rPr lang="en-US" smtClean="0"/>
-              <a:t>1/9/20</a:t>
+              <a:t>6/5/20</a:t>
             </a:fld>
             <a:endParaRPr lang="en-US"/>
           </a:p>
@@ -1404,7 +1409,7 @@
           <a:p>
             <a:fld id="{24929D6D-F7E9-BA43-B28D-B1C0CE4BAC6D}" type="datetimeFigureOut">
               <a:rPr lang="en-US" smtClean="0"/>
-              <a:t>1/9/20</a:t>
+              <a:t>6/5/20</a:t>
             </a:fld>
             <a:endParaRPr lang="en-US"/>
           </a:p>
@@ -1816,7 +1821,7 @@
           <a:p>
             <a:fld id="{24929D6D-F7E9-BA43-B28D-B1C0CE4BAC6D}" type="datetimeFigureOut">
               <a:rPr lang="en-US" smtClean="0"/>
-              <a:t>1/9/20</a:t>
+              <a:t>6/5/20</a:t>
             </a:fld>
             <a:endParaRPr lang="en-US"/>
           </a:p>
@@ -1957,7 +1962,7 @@
           <a:p>
             <a:fld id="{24929D6D-F7E9-BA43-B28D-B1C0CE4BAC6D}" type="datetimeFigureOut">
               <a:rPr lang="en-US" smtClean="0"/>
-              <a:t>1/9/20</a:t>
+              <a:t>6/5/20</a:t>
             </a:fld>
             <a:endParaRPr lang="en-US"/>
           </a:p>
@@ -2070,7 +2075,7 @@
           <a:p>
             <a:fld id="{24929D6D-F7E9-BA43-B28D-B1C0CE4BAC6D}" type="datetimeFigureOut">
               <a:rPr lang="en-US" smtClean="0"/>
-              <a:t>1/9/20</a:t>
+              <a:t>6/5/20</a:t>
             </a:fld>
             <a:endParaRPr lang="en-US"/>
           </a:p>
@@ -2381,7 +2386,7 @@
           <a:p>
             <a:fld id="{24929D6D-F7E9-BA43-B28D-B1C0CE4BAC6D}" type="datetimeFigureOut">
               <a:rPr lang="en-US" smtClean="0"/>
-              <a:t>1/9/20</a:t>
+              <a:t>6/5/20</a:t>
             </a:fld>
             <a:endParaRPr lang="en-US"/>
           </a:p>
@@ -2669,7 +2674,7 @@
           <a:p>
             <a:fld id="{24929D6D-F7E9-BA43-B28D-B1C0CE4BAC6D}" type="datetimeFigureOut">
               <a:rPr lang="en-US" smtClean="0"/>
-              <a:t>1/9/20</a:t>
+              <a:t>6/5/20</a:t>
             </a:fld>
             <a:endParaRPr lang="en-US"/>
           </a:p>
@@ -2910,7 +2915,7 @@
           <a:p>
             <a:fld id="{24929D6D-F7E9-BA43-B28D-B1C0CE4BAC6D}" type="datetimeFigureOut">
               <a:rPr lang="en-US" smtClean="0"/>
-              <a:t>1/9/20</a:t>
+              <a:t>6/5/20</a:t>
             </a:fld>
             <a:endParaRPr lang="en-US"/>
           </a:p>
@@ -3329,10 +3334,10 @@
       </p:grpSpPr>
       <p:pic>
         <p:nvPicPr>
-          <p:cNvPr id="9" name="Picture 8">
-            <a:extLst>
-              <a:ext uri="{FF2B5EF4-FFF2-40B4-BE49-F238E27FC236}">
-                <a16:creationId xmlns:a16="http://schemas.microsoft.com/office/drawing/2014/main" id="{825F3BDD-299C-5C4A-979A-E421FE180D99}"/>
+          <p:cNvPr id="2" name="Picture 1">
+            <a:extLst>
+              <a:ext uri="{FF2B5EF4-FFF2-40B4-BE49-F238E27FC236}">
+                <a16:creationId xmlns:a16="http://schemas.microsoft.com/office/drawing/2014/main" id="{6EE0538F-B72F-114C-AB4C-6C45433ADC76}"/>
               </a:ext>
             </a:extLst>
           </p:cNvPr>
@@ -3349,8 +3354,8 @@
         </p:blipFill>
         <p:spPr>
           <a:xfrm>
-            <a:off x="2537011" y="560295"/>
-            <a:ext cx="7064189" cy="5298141"/>
+            <a:off x="2545976" y="698662"/>
+            <a:ext cx="6890870" cy="5392855"/>
           </a:xfrm>
           <a:prstGeom prst="rect">
             <a:avLst/>
@@ -3389,10 +3394,10 @@
       </p:grpSpPr>
       <p:pic>
         <p:nvPicPr>
-          <p:cNvPr id="4" name="Picture 3">
-            <a:extLst>
-              <a:ext uri="{FF2B5EF4-FFF2-40B4-BE49-F238E27FC236}">
-                <a16:creationId xmlns:a16="http://schemas.microsoft.com/office/drawing/2014/main" id="{1CA204B9-42A4-CA4F-9305-61B246246984}"/>
+          <p:cNvPr id="2" name="Picture 1">
+            <a:extLst>
+              <a:ext uri="{FF2B5EF4-FFF2-40B4-BE49-F238E27FC236}">
+                <a16:creationId xmlns:a16="http://schemas.microsoft.com/office/drawing/2014/main" id="{E2602E12-DE06-4942-827E-E12709C4B6DD}"/>
               </a:ext>
             </a:extLst>
           </p:cNvPr>
@@ -3409,8 +3414,8 @@
         </p:blipFill>
         <p:spPr>
           <a:xfrm>
-            <a:off x="2677458" y="824753"/>
-            <a:ext cx="6681695" cy="5011271"/>
+            <a:off x="2997200" y="817880"/>
+            <a:ext cx="6898640" cy="5173980"/>
           </a:xfrm>
           <a:prstGeom prst="rect">
             <a:avLst/>
@@ -3421,6 +3426,336 @@
     <p:extLst>
       <p:ext uri="{BB962C8B-B14F-4D97-AF65-F5344CB8AC3E}">
         <p14:creationId xmlns:p14="http://schemas.microsoft.com/office/powerpoint/2010/main" val="3742328638"/>
+      </p:ext>
+    </p:extLst>
+  </p:cSld>
+  <p:clrMapOvr>
+    <a:masterClrMapping/>
+  </p:clrMapOvr>
+</p:sld>
+</file>
+
+<file path=ppt/slides/slide3.xml><?xml version="1.0" encoding="utf-8"?>
+<p:sld xmlns:a="http://schemas.openxmlformats.org/drawingml/2006/main" xmlns:r="http://schemas.openxmlformats.org/officeDocument/2006/relationships" xmlns:p="http://schemas.openxmlformats.org/presentationml/2006/main">
+  <p:cSld>
+    <p:spTree>
+      <p:nvGrpSpPr>
+        <p:cNvPr id="1" name=""/>
+        <p:cNvGrpSpPr/>
+        <p:nvPr/>
+      </p:nvGrpSpPr>
+      <p:grpSpPr>
+        <a:xfrm>
+          <a:off x="0" y="0"/>
+          <a:ext cx="0" cy="0"/>
+          <a:chOff x="0" y="0"/>
+          <a:chExt cx="0" cy="0"/>
+        </a:xfrm>
+      </p:grpSpPr>
+      <p:pic>
+        <p:nvPicPr>
+          <p:cNvPr id="4" name="Picture 3">
+            <a:extLst>
+              <a:ext uri="{FF2B5EF4-FFF2-40B4-BE49-F238E27FC236}">
+                <a16:creationId xmlns:a16="http://schemas.microsoft.com/office/drawing/2014/main" id="{EF882F0E-2A0A-A342-B4CB-5A76E8FDA440}"/>
+              </a:ext>
+            </a:extLst>
+          </p:cNvPr>
+          <p:cNvPicPr>
+            <a:picLocks noChangeAspect="1"/>
+          </p:cNvPicPr>
+          <p:nvPr/>
+        </p:nvPicPr>
+        <p:blipFill>
+          <a:blip r:embed="rId2"/>
+          <a:stretch>
+            <a:fillRect/>
+          </a:stretch>
+        </p:blipFill>
+        <p:spPr>
+          <a:xfrm>
+            <a:off x="2671483" y="935019"/>
+            <a:ext cx="6221506" cy="4977205"/>
+          </a:xfrm>
+          <a:prstGeom prst="rect">
+            <a:avLst/>
+          </a:prstGeom>
+        </p:spPr>
+      </p:pic>
+    </p:spTree>
+    <p:extLst>
+      <p:ext uri="{BB962C8B-B14F-4D97-AF65-F5344CB8AC3E}">
+        <p14:creationId xmlns:p14="http://schemas.microsoft.com/office/powerpoint/2010/main" val="4207074008"/>
+      </p:ext>
+    </p:extLst>
+  </p:cSld>
+  <p:clrMapOvr>
+    <a:masterClrMapping/>
+  </p:clrMapOvr>
+</p:sld>
+</file>
+
+<file path=ppt/slides/slide4.xml><?xml version="1.0" encoding="utf-8"?>
+<p:sld xmlns:a="http://schemas.openxmlformats.org/drawingml/2006/main" xmlns:r="http://schemas.openxmlformats.org/officeDocument/2006/relationships" xmlns:p="http://schemas.openxmlformats.org/presentationml/2006/main">
+  <p:cSld>
+    <p:spTree>
+      <p:nvGrpSpPr>
+        <p:cNvPr id="1" name=""/>
+        <p:cNvGrpSpPr/>
+        <p:nvPr/>
+      </p:nvGrpSpPr>
+      <p:grpSpPr>
+        <a:xfrm>
+          <a:off x="0" y="0"/>
+          <a:ext cx="0" cy="0"/>
+          <a:chOff x="0" y="0"/>
+          <a:chExt cx="0" cy="0"/>
+        </a:xfrm>
+      </p:grpSpPr>
+      <p:pic>
+        <p:nvPicPr>
+          <p:cNvPr id="5" name="Picture 4">
+            <a:extLst>
+              <a:ext uri="{FF2B5EF4-FFF2-40B4-BE49-F238E27FC236}">
+                <a16:creationId xmlns:a16="http://schemas.microsoft.com/office/drawing/2014/main" id="{DAAA2368-62DC-D347-861D-18C5DD234E10}"/>
+              </a:ext>
+            </a:extLst>
+          </p:cNvPr>
+          <p:cNvPicPr>
+            <a:picLocks noChangeAspect="1"/>
+          </p:cNvPicPr>
+          <p:nvPr/>
+        </p:nvPicPr>
+        <p:blipFill>
+          <a:blip r:embed="rId2"/>
+          <a:stretch>
+            <a:fillRect/>
+          </a:stretch>
+        </p:blipFill>
+        <p:spPr>
+          <a:xfrm>
+            <a:off x="1093694" y="1358153"/>
+            <a:ext cx="4572000" cy="3657600"/>
+          </a:xfrm>
+          <a:prstGeom prst="rect">
+            <a:avLst/>
+          </a:prstGeom>
+        </p:spPr>
+      </p:pic>
+      <p:pic>
+        <p:nvPicPr>
+          <p:cNvPr id="7" name="Picture 6">
+            <a:extLst>
+              <a:ext uri="{FF2B5EF4-FFF2-40B4-BE49-F238E27FC236}">
+                <a16:creationId xmlns:a16="http://schemas.microsoft.com/office/drawing/2014/main" id="{304C6DB2-5EB2-EB41-B84A-48F65CCCAB07}"/>
+              </a:ext>
+            </a:extLst>
+          </p:cNvPr>
+          <p:cNvPicPr>
+            <a:picLocks noChangeAspect="1"/>
+          </p:cNvPicPr>
+          <p:nvPr/>
+        </p:nvPicPr>
+        <p:blipFill>
+          <a:blip r:embed="rId3"/>
+          <a:stretch>
+            <a:fillRect/>
+          </a:stretch>
+        </p:blipFill>
+        <p:spPr>
+          <a:xfrm>
+            <a:off x="5665694" y="1358153"/>
+            <a:ext cx="4673600" cy="3657600"/>
+          </a:xfrm>
+          <a:prstGeom prst="rect">
+            <a:avLst/>
+          </a:prstGeom>
+        </p:spPr>
+      </p:pic>
+    </p:spTree>
+    <p:extLst>
+      <p:ext uri="{BB962C8B-B14F-4D97-AF65-F5344CB8AC3E}">
+        <p14:creationId xmlns:p14="http://schemas.microsoft.com/office/powerpoint/2010/main" val="3457532484"/>
+      </p:ext>
+    </p:extLst>
+  </p:cSld>
+  <p:clrMapOvr>
+    <a:masterClrMapping/>
+  </p:clrMapOvr>
+</p:sld>
+</file>
+
+<file path=ppt/slides/slide5.xml><?xml version="1.0" encoding="utf-8"?>
+<p:sld xmlns:a="http://schemas.openxmlformats.org/drawingml/2006/main" xmlns:r="http://schemas.openxmlformats.org/officeDocument/2006/relationships" xmlns:p="http://schemas.openxmlformats.org/presentationml/2006/main">
+  <p:cSld>
+    <p:spTree>
+      <p:nvGrpSpPr>
+        <p:cNvPr id="1" name=""/>
+        <p:cNvGrpSpPr/>
+        <p:nvPr/>
+      </p:nvGrpSpPr>
+      <p:grpSpPr>
+        <a:xfrm>
+          <a:off x="0" y="0"/>
+          <a:ext cx="0" cy="0"/>
+          <a:chOff x="0" y="0"/>
+          <a:chExt cx="0" cy="0"/>
+        </a:xfrm>
+      </p:grpSpPr>
+      <p:pic>
+        <p:nvPicPr>
+          <p:cNvPr id="2" name="Picture 1">
+            <a:extLst>
+              <a:ext uri="{FF2B5EF4-FFF2-40B4-BE49-F238E27FC236}">
+                <a16:creationId xmlns:a16="http://schemas.microsoft.com/office/drawing/2014/main" id="{755E7E9C-FE6D-3E40-AF47-65FD57155364}"/>
+              </a:ext>
+            </a:extLst>
+          </p:cNvPr>
+          <p:cNvPicPr>
+            <a:picLocks noChangeAspect="1"/>
+          </p:cNvPicPr>
+          <p:nvPr/>
+        </p:nvPicPr>
+        <p:blipFill>
+          <a:blip r:embed="rId2"/>
+          <a:stretch>
+            <a:fillRect/>
+          </a:stretch>
+        </p:blipFill>
+        <p:spPr>
+          <a:xfrm>
+            <a:off x="2753360" y="1103403"/>
+            <a:ext cx="6250940" cy="4865597"/>
+          </a:xfrm>
+          <a:prstGeom prst="rect">
+            <a:avLst/>
+          </a:prstGeom>
+        </p:spPr>
+      </p:pic>
+    </p:spTree>
+    <p:extLst>
+      <p:ext uri="{BB962C8B-B14F-4D97-AF65-F5344CB8AC3E}">
+        <p14:creationId xmlns:p14="http://schemas.microsoft.com/office/powerpoint/2010/main" val="1391746018"/>
+      </p:ext>
+    </p:extLst>
+  </p:cSld>
+  <p:clrMapOvr>
+    <a:masterClrMapping/>
+  </p:clrMapOvr>
+</p:sld>
+</file>
+
+<file path=ppt/slides/slide6.xml><?xml version="1.0" encoding="utf-8"?>
+<p:sld xmlns:a="http://schemas.openxmlformats.org/drawingml/2006/main" xmlns:r="http://schemas.openxmlformats.org/officeDocument/2006/relationships" xmlns:p="http://schemas.openxmlformats.org/presentationml/2006/main">
+  <p:cSld>
+    <p:spTree>
+      <p:nvGrpSpPr>
+        <p:cNvPr id="1" name=""/>
+        <p:cNvGrpSpPr/>
+        <p:nvPr/>
+      </p:nvGrpSpPr>
+      <p:grpSpPr>
+        <a:xfrm>
+          <a:off x="0" y="0"/>
+          <a:ext cx="0" cy="0"/>
+          <a:chOff x="0" y="0"/>
+          <a:chExt cx="0" cy="0"/>
+        </a:xfrm>
+      </p:grpSpPr>
+      <p:pic>
+        <p:nvPicPr>
+          <p:cNvPr id="4" name="Picture 3">
+            <a:extLst>
+              <a:ext uri="{FF2B5EF4-FFF2-40B4-BE49-F238E27FC236}">
+                <a16:creationId xmlns:a16="http://schemas.microsoft.com/office/drawing/2014/main" id="{2A590806-3CD4-6E42-8E55-142FD6CE4537}"/>
+              </a:ext>
+            </a:extLst>
+          </p:cNvPr>
+          <p:cNvPicPr>
+            <a:picLocks noChangeAspect="1"/>
+          </p:cNvPicPr>
+          <p:nvPr/>
+        </p:nvPicPr>
+        <p:blipFill>
+          <a:blip r:embed="rId2"/>
+          <a:stretch>
+            <a:fillRect/>
+          </a:stretch>
+        </p:blipFill>
+        <p:spPr>
+          <a:xfrm>
+            <a:off x="2976282" y="913503"/>
+            <a:ext cx="6203577" cy="4962862"/>
+          </a:xfrm>
+          <a:prstGeom prst="rect">
+            <a:avLst/>
+          </a:prstGeom>
+        </p:spPr>
+      </p:pic>
+    </p:spTree>
+    <p:extLst>
+      <p:ext uri="{BB962C8B-B14F-4D97-AF65-F5344CB8AC3E}">
+        <p14:creationId xmlns:p14="http://schemas.microsoft.com/office/powerpoint/2010/main" val="1934604281"/>
+      </p:ext>
+    </p:extLst>
+  </p:cSld>
+  <p:clrMapOvr>
+    <a:masterClrMapping/>
+  </p:clrMapOvr>
+</p:sld>
+</file>
+
+<file path=ppt/slides/slide7.xml><?xml version="1.0" encoding="utf-8"?>
+<p:sld xmlns:a="http://schemas.openxmlformats.org/drawingml/2006/main" xmlns:r="http://schemas.openxmlformats.org/officeDocument/2006/relationships" xmlns:p="http://schemas.openxmlformats.org/presentationml/2006/main">
+  <p:cSld>
+    <p:spTree>
+      <p:nvGrpSpPr>
+        <p:cNvPr id="1" name=""/>
+        <p:cNvGrpSpPr/>
+        <p:nvPr/>
+      </p:nvGrpSpPr>
+      <p:grpSpPr>
+        <a:xfrm>
+          <a:off x="0" y="0"/>
+          <a:ext cx="0" cy="0"/>
+          <a:chOff x="0" y="0"/>
+          <a:chExt cx="0" cy="0"/>
+        </a:xfrm>
+      </p:grpSpPr>
+      <p:pic>
+        <p:nvPicPr>
+          <p:cNvPr id="2" name="Picture 1">
+            <a:extLst>
+              <a:ext uri="{FF2B5EF4-FFF2-40B4-BE49-F238E27FC236}">
+                <a16:creationId xmlns:a16="http://schemas.microsoft.com/office/drawing/2014/main" id="{DF7DFE87-5645-044E-89BB-F645D17E70D0}"/>
+              </a:ext>
+            </a:extLst>
+          </p:cNvPr>
+          <p:cNvPicPr>
+            <a:picLocks noChangeAspect="1"/>
+          </p:cNvPicPr>
+          <p:nvPr/>
+        </p:nvPicPr>
+        <p:blipFill>
+          <a:blip r:embed="rId2"/>
+          <a:stretch>
+            <a:fillRect/>
+          </a:stretch>
+        </p:blipFill>
+        <p:spPr>
+          <a:xfrm>
+            <a:off x="2550160" y="738632"/>
+            <a:ext cx="6512560" cy="5210048"/>
+          </a:xfrm>
+          <a:prstGeom prst="rect">
+            <a:avLst/>
+          </a:prstGeom>
+        </p:spPr>
+      </p:pic>
+    </p:spTree>
+    <p:extLst>
+      <p:ext uri="{BB962C8B-B14F-4D97-AF65-F5344CB8AC3E}">
+        <p14:creationId xmlns:p14="http://schemas.microsoft.com/office/powerpoint/2010/main" val="693343032"/>
       </p:ext>
     </p:extLst>
   </p:cSld>

--- a/umoxe_rad_driven_diff/pics.pptx
+++ b/umoxe_rad_driven_diff/pics.pptx
@@ -265,7 +265,7 @@
           <a:p>
             <a:fld id="{24929D6D-F7E9-BA43-B28D-B1C0CE4BAC6D}" type="datetimeFigureOut">
               <a:rPr lang="en-US" smtClean="0"/>
-              <a:t>6/5/20</a:t>
+              <a:t>9/24/20</a:t>
             </a:fld>
             <a:endParaRPr lang="en-US"/>
           </a:p>
@@ -463,7 +463,7 @@
           <a:p>
             <a:fld id="{24929D6D-F7E9-BA43-B28D-B1C0CE4BAC6D}" type="datetimeFigureOut">
               <a:rPr lang="en-US" smtClean="0"/>
-              <a:t>6/5/20</a:t>
+              <a:t>9/24/20</a:t>
             </a:fld>
             <a:endParaRPr lang="en-US"/>
           </a:p>
@@ -671,7 +671,7 @@
           <a:p>
             <a:fld id="{24929D6D-F7E9-BA43-B28D-B1C0CE4BAC6D}" type="datetimeFigureOut">
               <a:rPr lang="en-US" smtClean="0"/>
-              <a:t>6/5/20</a:t>
+              <a:t>9/24/20</a:t>
             </a:fld>
             <a:endParaRPr lang="en-US"/>
           </a:p>
@@ -869,7 +869,7 @@
           <a:p>
             <a:fld id="{24929D6D-F7E9-BA43-B28D-B1C0CE4BAC6D}" type="datetimeFigureOut">
               <a:rPr lang="en-US" smtClean="0"/>
-              <a:t>6/5/20</a:t>
+              <a:t>9/24/20</a:t>
             </a:fld>
             <a:endParaRPr lang="en-US"/>
           </a:p>
@@ -1144,7 +1144,7 @@
           <a:p>
             <a:fld id="{24929D6D-F7E9-BA43-B28D-B1C0CE4BAC6D}" type="datetimeFigureOut">
               <a:rPr lang="en-US" smtClean="0"/>
-              <a:t>6/5/20</a:t>
+              <a:t>9/24/20</a:t>
             </a:fld>
             <a:endParaRPr lang="en-US"/>
           </a:p>
@@ -1409,7 +1409,7 @@
           <a:p>
             <a:fld id="{24929D6D-F7E9-BA43-B28D-B1C0CE4BAC6D}" type="datetimeFigureOut">
               <a:rPr lang="en-US" smtClean="0"/>
-              <a:t>6/5/20</a:t>
+              <a:t>9/24/20</a:t>
             </a:fld>
             <a:endParaRPr lang="en-US"/>
           </a:p>
@@ -1821,7 +1821,7 @@
           <a:p>
             <a:fld id="{24929D6D-F7E9-BA43-B28D-B1C0CE4BAC6D}" type="datetimeFigureOut">
               <a:rPr lang="en-US" smtClean="0"/>
-              <a:t>6/5/20</a:t>
+              <a:t>9/24/20</a:t>
             </a:fld>
             <a:endParaRPr lang="en-US"/>
           </a:p>
@@ -1962,7 +1962,7 @@
           <a:p>
             <a:fld id="{24929D6D-F7E9-BA43-B28D-B1C0CE4BAC6D}" type="datetimeFigureOut">
               <a:rPr lang="en-US" smtClean="0"/>
-              <a:t>6/5/20</a:t>
+              <a:t>9/24/20</a:t>
             </a:fld>
             <a:endParaRPr lang="en-US"/>
           </a:p>
@@ -2075,7 +2075,7 @@
           <a:p>
             <a:fld id="{24929D6D-F7E9-BA43-B28D-B1C0CE4BAC6D}" type="datetimeFigureOut">
               <a:rPr lang="en-US" smtClean="0"/>
-              <a:t>6/5/20</a:t>
+              <a:t>9/24/20</a:t>
             </a:fld>
             <a:endParaRPr lang="en-US"/>
           </a:p>
@@ -2386,7 +2386,7 @@
           <a:p>
             <a:fld id="{24929D6D-F7E9-BA43-B28D-B1C0CE4BAC6D}" type="datetimeFigureOut">
               <a:rPr lang="en-US" smtClean="0"/>
-              <a:t>6/5/20</a:t>
+              <a:t>9/24/20</a:t>
             </a:fld>
             <a:endParaRPr lang="en-US"/>
           </a:p>
@@ -2674,7 +2674,7 @@
           <a:p>
             <a:fld id="{24929D6D-F7E9-BA43-B28D-B1C0CE4BAC6D}" type="datetimeFigureOut">
               <a:rPr lang="en-US" smtClean="0"/>
-              <a:t>6/5/20</a:t>
+              <a:t>9/24/20</a:t>
             </a:fld>
             <a:endParaRPr lang="en-US"/>
           </a:p>
@@ -2915,7 +2915,7 @@
           <a:p>
             <a:fld id="{24929D6D-F7E9-BA43-B28D-B1C0CE4BAC6D}" type="datetimeFigureOut">
               <a:rPr lang="en-US" smtClean="0"/>
-              <a:t>6/5/20</a:t>
+              <a:t>9/24/20</a:t>
             </a:fld>
             <a:endParaRPr lang="en-US"/>
           </a:p>
@@ -3624,8 +3624,38 @@
         </p:blipFill>
         <p:spPr>
           <a:xfrm>
-            <a:off x="2753360" y="1103403"/>
-            <a:ext cx="6250940" cy="4865597"/>
+            <a:off x="365760" y="1052603"/>
+            <a:ext cx="4795555" cy="3732757"/>
+          </a:xfrm>
+          <a:prstGeom prst="rect">
+            <a:avLst/>
+          </a:prstGeom>
+        </p:spPr>
+      </p:pic>
+      <p:pic>
+        <p:nvPicPr>
+          <p:cNvPr id="5" name="Picture 4">
+            <a:extLst>
+              <a:ext uri="{FF2B5EF4-FFF2-40B4-BE49-F238E27FC236}">
+                <a16:creationId xmlns:a16="http://schemas.microsoft.com/office/drawing/2014/main" id="{ACD721F0-72F8-5A48-815B-3C96AE930C35}"/>
+              </a:ext>
+            </a:extLst>
+          </p:cNvPr>
+          <p:cNvPicPr>
+            <a:picLocks noChangeAspect="1"/>
+          </p:cNvPicPr>
+          <p:nvPr/>
+        </p:nvPicPr>
+        <p:blipFill>
+          <a:blip r:embed="rId3"/>
+          <a:stretch>
+            <a:fillRect/>
+          </a:stretch>
+        </p:blipFill>
+        <p:spPr>
+          <a:xfrm>
+            <a:off x="5849620" y="1153160"/>
+            <a:ext cx="5371218" cy="4180840"/>
           </a:xfrm>
           <a:prstGeom prst="rect">
             <a:avLst/>
